--- a/docs/dynjit-python-jit.pptx
+++ b/docs/dynjit-python-jit.pptx
@@ -11867,7 +11867,7 @@
             </a:r>
             <a:r>
               <a:rPr lang="en-US" dirty="0"/>
-              <a:t>there is a inner function call </a:t>
+              <a:t>there is an inner function call </a:t>
             </a:r>
             <a:r>
               <a:rPr lang="en-US" i="1" dirty="0"/>
